--- a/chrome/art/chrome.pptx
+++ b/chrome/art/chrome.pptx
@@ -8,6 +8,7 @@
     <p:sldId id="256" r:id="rId2"/>
     <p:sldId id="257" r:id="rId3"/>
     <p:sldId id="258" r:id="rId4"/>
+    <p:sldId id="259" r:id="rId5"/>
   </p:sldIdLst>
   <p:sldSz cx="9144000" cy="6858000" type="screen4x3"/>
   <p:notesSz cx="6858000" cy="9144000"/>
@@ -106,6 +107,22 @@
       </a:defRPr>
     </a:lvl9pPr>
   </p:defaultTextStyle>
+  <p:extLst>
+    <p:ext uri="{EFAFB233-063F-42B5-8137-9DF3F51BA10A}">
+      <p15:sldGuideLst xmlns:p15="http://schemas.microsoft.com/office/powerpoint/2012/main">
+        <p15:guide id="1" orient="horz" pos="2160">
+          <p15:clr>
+            <a:srgbClr val="A4A3A4"/>
+          </p15:clr>
+        </p15:guide>
+        <p15:guide id="2" pos="2880">
+          <p15:clr>
+            <a:srgbClr val="A4A3A4"/>
+          </p15:clr>
+        </p15:guide>
+      </p15:sldGuideLst>
+    </p:ext>
+  </p:extLst>
 </p:presentation>
 </file>
 
@@ -291,7 +308,7 @@
             <a:fld id="{1EDBB0F4-187B-400A-899E-82E57EE344D8}" type="datetimeFigureOut">
               <a:rPr lang="en-US" smtClean="0"/>
               <a:pPr/>
-              <a:t>10/27/2015</a:t>
+              <a:t>2/25/2016</a:t>
             </a:fld>
             <a:endParaRPr lang="en-US"/>
           </a:p>
@@ -458,7 +475,7 @@
             <a:fld id="{1EDBB0F4-187B-400A-899E-82E57EE344D8}" type="datetimeFigureOut">
               <a:rPr lang="en-US" smtClean="0"/>
               <a:pPr/>
-              <a:t>10/27/2015</a:t>
+              <a:t>2/25/2016</a:t>
             </a:fld>
             <a:endParaRPr lang="en-US"/>
           </a:p>
@@ -635,7 +652,7 @@
             <a:fld id="{1EDBB0F4-187B-400A-899E-82E57EE344D8}" type="datetimeFigureOut">
               <a:rPr lang="en-US" smtClean="0"/>
               <a:pPr/>
-              <a:t>10/27/2015</a:t>
+              <a:t>2/25/2016</a:t>
             </a:fld>
             <a:endParaRPr lang="en-US"/>
           </a:p>
@@ -802,7 +819,7 @@
             <a:fld id="{1EDBB0F4-187B-400A-899E-82E57EE344D8}" type="datetimeFigureOut">
               <a:rPr lang="en-US" smtClean="0"/>
               <a:pPr/>
-              <a:t>10/27/2015</a:t>
+              <a:t>2/25/2016</a:t>
             </a:fld>
             <a:endParaRPr lang="en-US"/>
           </a:p>
@@ -1045,7 +1062,7 @@
             <a:fld id="{1EDBB0F4-187B-400A-899E-82E57EE344D8}" type="datetimeFigureOut">
               <a:rPr lang="en-US" smtClean="0"/>
               <a:pPr/>
-              <a:t>10/27/2015</a:t>
+              <a:t>2/25/2016</a:t>
             </a:fld>
             <a:endParaRPr lang="en-US"/>
           </a:p>
@@ -1330,7 +1347,7 @@
             <a:fld id="{1EDBB0F4-187B-400A-899E-82E57EE344D8}" type="datetimeFigureOut">
               <a:rPr lang="en-US" smtClean="0"/>
               <a:pPr/>
-              <a:t>10/27/2015</a:t>
+              <a:t>2/25/2016</a:t>
             </a:fld>
             <a:endParaRPr lang="en-US"/>
           </a:p>
@@ -1749,7 +1766,7 @@
             <a:fld id="{1EDBB0F4-187B-400A-899E-82E57EE344D8}" type="datetimeFigureOut">
               <a:rPr lang="en-US" smtClean="0"/>
               <a:pPr/>
-              <a:t>10/27/2015</a:t>
+              <a:t>2/25/2016</a:t>
             </a:fld>
             <a:endParaRPr lang="en-US"/>
           </a:p>
@@ -1864,7 +1881,7 @@
             <a:fld id="{1EDBB0F4-187B-400A-899E-82E57EE344D8}" type="datetimeFigureOut">
               <a:rPr lang="en-US" smtClean="0"/>
               <a:pPr/>
-              <a:t>10/27/2015</a:t>
+              <a:t>2/25/2016</a:t>
             </a:fld>
             <a:endParaRPr lang="en-US"/>
           </a:p>
@@ -1956,7 +1973,7 @@
             <a:fld id="{1EDBB0F4-187B-400A-899E-82E57EE344D8}" type="datetimeFigureOut">
               <a:rPr lang="en-US" smtClean="0"/>
               <a:pPr/>
-              <a:t>10/27/2015</a:t>
+              <a:t>2/25/2016</a:t>
             </a:fld>
             <a:endParaRPr lang="en-US"/>
           </a:p>
@@ -2230,7 +2247,7 @@
             <a:fld id="{1EDBB0F4-187B-400A-899E-82E57EE344D8}" type="datetimeFigureOut">
               <a:rPr lang="en-US" smtClean="0"/>
               <a:pPr/>
-              <a:t>10/27/2015</a:t>
+              <a:t>2/25/2016</a:t>
             </a:fld>
             <a:endParaRPr lang="en-US"/>
           </a:p>
@@ -2480,7 +2497,7 @@
             <a:fld id="{1EDBB0F4-187B-400A-899E-82E57EE344D8}" type="datetimeFigureOut">
               <a:rPr lang="en-US" smtClean="0"/>
               <a:pPr/>
-              <a:t>10/27/2015</a:t>
+              <a:t>2/25/2016</a:t>
             </a:fld>
             <a:endParaRPr lang="en-US"/>
           </a:p>
@@ -2690,7 +2707,7 @@
             <a:fld id="{1EDBB0F4-187B-400A-899E-82E57EE344D8}" type="datetimeFigureOut">
               <a:rPr lang="en-US" smtClean="0"/>
               <a:pPr/>
-              <a:t>10/27/2015</a:t>
+              <a:t>2/25/2016</a:t>
             </a:fld>
             <a:endParaRPr lang="en-US"/>
           </a:p>
@@ -3361,6 +3378,62 @@
 </p:sld>
 </file>
 
+<file path=ppt/slides/slide4.xml><?xml version="1.0" encoding="utf-8"?>
+<p:sld xmlns:a="http://schemas.openxmlformats.org/drawingml/2006/main" xmlns:r="http://schemas.openxmlformats.org/officeDocument/2006/relationships" xmlns:p="http://schemas.openxmlformats.org/presentationml/2006/main">
+  <p:cSld>
+    <p:spTree>
+      <p:nvGrpSpPr>
+        <p:cNvPr id="1" name=""/>
+        <p:cNvGrpSpPr/>
+        <p:nvPr/>
+      </p:nvGrpSpPr>
+      <p:grpSpPr>
+        <a:xfrm>
+          <a:off x="0" y="0"/>
+          <a:ext cx="0" cy="0"/>
+          <a:chOff x="0" y="0"/>
+          <a:chExt cx="0" cy="0"/>
+        </a:xfrm>
+      </p:grpSpPr>
+      <p:pic>
+        <p:nvPicPr>
+          <p:cNvPr id="2" name="Picture 2" descr="C:\muthu\gitworkspace\autologin\chrome\art\chrome\Picture2.png"/>
+          <p:cNvPicPr>
+            <a:picLocks noChangeAspect="1" noChangeArrowheads="1"/>
+          </p:cNvPicPr>
+          <p:nvPr/>
+        </p:nvPicPr>
+        <p:blipFill>
+          <a:blip r:embed="rId2"/>
+          <a:srcRect/>
+          <a:stretch>
+            <a:fillRect/>
+          </a:stretch>
+        </p:blipFill>
+        <p:spPr bwMode="auto">
+          <a:xfrm>
+            <a:off x="-1522413" y="-379413"/>
+            <a:ext cx="12190413" cy="7618413"/>
+          </a:xfrm>
+          <a:prstGeom prst="rect">
+            <a:avLst/>
+          </a:prstGeom>
+          <a:noFill/>
+        </p:spPr>
+      </p:pic>
+    </p:spTree>
+    <p:extLst>
+      <p:ext uri="{BB962C8B-B14F-4D97-AF65-F5344CB8AC3E}">
+        <p14:creationId xmlns:p14="http://schemas.microsoft.com/office/powerpoint/2010/main" val="423914771"/>
+      </p:ext>
+    </p:extLst>
+  </p:cSld>
+  <p:clrMapOvr>
+    <a:masterClrMapping/>
+  </p:clrMapOvr>
+</p:sld>
+</file>
+
 <file path=ppt/theme/theme1.xml><?xml version="1.0" encoding="utf-8"?>
 <a:theme xmlns:a="http://schemas.openxmlformats.org/drawingml/2006/main" name="Office Theme">
   <a:themeElements>
